--- a/diapoProjet.pptx
+++ b/diapoProjet.pptx
@@ -5389,10 +5389,9 @@
           </a:p>
           <a:p>
             <a:r>
-              <a:rPr lang="fr-FR"/>
+              <a:rPr lang="fr-FR" dirty="0"/>
               <a:t>Bilan individuel </a:t>
             </a:r>
-            <a:endParaRPr lang="fr-FR" dirty="0"/>
           </a:p>
           <a:p>
             <a:r>
